--- a/Presentations/Aula05-Transporte-UDP-TCP/05-Transporte-UDP-TCP.pptx
+++ b/Presentations/Aula05-Transporte-UDP-TCP/05-Transporte-UDP-TCP.pptx
@@ -271,7 +271,7 @@
               <a:pPr>
                 <a:defRPr/>
               </a:pPr>
-              <a:t>24/08/2016</a:t>
+              <a:t>27/08/2017</a:t>
             </a:fld>
             <a:endParaRPr lang="pt-BR"/>
           </a:p>
@@ -913,7 +913,7 @@
               <a:pPr>
                 <a:defRPr/>
               </a:pPr>
-              <a:t>24/08/2016</a:t>
+              <a:t>27/08/2017</a:t>
             </a:fld>
             <a:endParaRPr lang="pt-BR"/>
           </a:p>
@@ -1012,7 +1012,7 @@
           <p:nvPr userDrawn="1"/>
         </p:nvPicPr>
         <p:blipFill>
-          <a:blip r:embed="rId2"/>
+          <a:blip r:embed="rId2" cstate="print"/>
           <a:srcRect l="52994" t="61194" r="26041" b="19403"/>
           <a:stretch>
             <a:fillRect/>
@@ -1044,7 +1044,7 @@
           <p:nvPr userDrawn="1"/>
         </p:nvPicPr>
         <p:blipFill>
-          <a:blip r:embed="rId3"/>
+          <a:blip r:embed="rId3" cstate="print"/>
           <a:srcRect/>
           <a:stretch>
             <a:fillRect/>
@@ -1283,7 +1283,7 @@
               <a:pPr>
                 <a:defRPr/>
               </a:pPr>
-              <a:t>24/08/2016</a:t>
+              <a:t>27/08/2017</a:t>
             </a:fld>
             <a:endParaRPr lang="pt-BR"/>
           </a:p>
@@ -1485,7 +1485,7 @@
               <a:pPr>
                 <a:defRPr/>
               </a:pPr>
-              <a:t>24/08/2016</a:t>
+              <a:t>27/08/2017</a:t>
             </a:fld>
             <a:endParaRPr lang="pt-BR"/>
           </a:p>
@@ -1749,7 +1749,7 @@
               <a:pPr>
                 <a:defRPr/>
               </a:pPr>
-              <a:t>24/08/2016</a:t>
+              <a:t>27/08/2017</a:t>
             </a:fld>
             <a:endParaRPr lang="pt-BR"/>
           </a:p>
@@ -1941,7 +1941,7 @@
               <a:pPr>
                 <a:defRPr/>
               </a:pPr>
-              <a:t>24/08/2016</a:t>
+              <a:t>27/08/2017</a:t>
             </a:fld>
             <a:endParaRPr lang="pt-BR"/>
           </a:p>
@@ -2209,7 +2209,7 @@
               <a:pPr>
                 <a:defRPr/>
               </a:pPr>
-              <a:t>24/08/2016</a:t>
+              <a:t>27/08/2017</a:t>
             </a:fld>
             <a:endParaRPr lang="pt-BR"/>
           </a:p>
@@ -2519,7 +2519,7 @@
               <a:pPr>
                 <a:defRPr/>
               </a:pPr>
-              <a:t>24/08/2016</a:t>
+              <a:t>27/08/2017</a:t>
             </a:fld>
             <a:endParaRPr lang="pt-BR"/>
           </a:p>
@@ -2963,7 +2963,7 @@
               <a:pPr>
                 <a:defRPr/>
               </a:pPr>
-              <a:t>24/08/2016</a:t>
+              <a:t>27/08/2017</a:t>
             </a:fld>
             <a:endParaRPr lang="pt-BR"/>
           </a:p>
@@ -3103,7 +3103,7 @@
               <a:pPr>
                 <a:defRPr/>
               </a:pPr>
-              <a:t>24/08/2016</a:t>
+              <a:t>27/08/2017</a:t>
             </a:fld>
             <a:endParaRPr lang="pt-BR"/>
           </a:p>
@@ -3220,7 +3220,7 @@
               <a:pPr>
                 <a:defRPr/>
               </a:pPr>
-              <a:t>24/08/2016</a:t>
+              <a:t>27/08/2017</a:t>
             </a:fld>
             <a:endParaRPr lang="pt-BR"/>
           </a:p>
@@ -3412,7 +3412,7 @@
               <a:pPr>
                 <a:defRPr/>
               </a:pPr>
-              <a:t>24/08/2016</a:t>
+              <a:t>27/08/2017</a:t>
             </a:fld>
             <a:endParaRPr lang="pt-BR"/>
           </a:p>
@@ -3711,7 +3711,7 @@
               <a:pPr>
                 <a:defRPr/>
               </a:pPr>
-              <a:t>24/08/2016</a:t>
+              <a:t>27/08/2017</a:t>
             </a:fld>
             <a:endParaRPr lang="pt-BR"/>
           </a:p>
@@ -3989,7 +3989,7 @@
               <a:pPr>
                 <a:defRPr/>
               </a:pPr>
-              <a:t>24/08/2016</a:t>
+              <a:t>27/08/2017</a:t>
             </a:fld>
             <a:endParaRPr lang="pt-BR"/>
           </a:p>
@@ -4181,7 +4181,7 @@
               <a:pPr>
                 <a:defRPr/>
               </a:pPr>
-              <a:t>24/08/2016</a:t>
+              <a:t>27/08/2017</a:t>
             </a:fld>
             <a:endParaRPr lang="pt-BR"/>
           </a:p>
@@ -4383,7 +4383,7 @@
               <a:pPr>
                 <a:defRPr/>
               </a:pPr>
-              <a:t>24/08/2016</a:t>
+              <a:t>27/08/2017</a:t>
             </a:fld>
             <a:endParaRPr lang="pt-BR"/>
           </a:p>
@@ -4651,7 +4651,7 @@
               <a:pPr>
                 <a:defRPr/>
               </a:pPr>
-              <a:t>24/08/2016</a:t>
+              <a:t>27/08/2017</a:t>
             </a:fld>
             <a:endParaRPr lang="pt-BR"/>
           </a:p>
@@ -4961,7 +4961,7 @@
               <a:pPr>
                 <a:defRPr/>
               </a:pPr>
-              <a:t>24/08/2016</a:t>
+              <a:t>27/08/2017</a:t>
             </a:fld>
             <a:endParaRPr lang="pt-BR"/>
           </a:p>
@@ -5405,7 +5405,7 @@
               <a:pPr>
                 <a:defRPr/>
               </a:pPr>
-              <a:t>24/08/2016</a:t>
+              <a:t>27/08/2017</a:t>
             </a:fld>
             <a:endParaRPr lang="pt-BR"/>
           </a:p>
@@ -5545,7 +5545,7 @@
               <a:pPr>
                 <a:defRPr/>
               </a:pPr>
-              <a:t>24/08/2016</a:t>
+              <a:t>27/08/2017</a:t>
             </a:fld>
             <a:endParaRPr lang="pt-BR"/>
           </a:p>
@@ -5662,7 +5662,7 @@
               <a:pPr>
                 <a:defRPr/>
               </a:pPr>
-              <a:t>24/08/2016</a:t>
+              <a:t>27/08/2017</a:t>
             </a:fld>
             <a:endParaRPr lang="pt-BR"/>
           </a:p>
@@ -5961,7 +5961,7 @@
               <a:pPr>
                 <a:defRPr/>
               </a:pPr>
-              <a:t>24/08/2016</a:t>
+              <a:t>27/08/2017</a:t>
             </a:fld>
             <a:endParaRPr lang="pt-BR"/>
           </a:p>
@@ -6060,7 +6060,7 @@
           <p:nvPr userDrawn="1"/>
         </p:nvPicPr>
         <p:blipFill>
-          <a:blip r:embed="rId2"/>
+          <a:blip r:embed="rId2" cstate="print"/>
           <a:srcRect l="52994" t="61194" r="26041" b="19403"/>
           <a:stretch>
             <a:fillRect/>
@@ -6092,7 +6092,7 @@
           <p:nvPr userDrawn="1"/>
         </p:nvPicPr>
         <p:blipFill>
-          <a:blip r:embed="rId3"/>
+          <a:blip r:embed="rId3" cstate="print"/>
           <a:srcRect/>
           <a:stretch>
             <a:fillRect/>
@@ -6268,7 +6268,7 @@
               <a:pPr>
                 <a:defRPr/>
               </a:pPr>
-              <a:t>24/08/2016</a:t>
+              <a:t>27/08/2017</a:t>
             </a:fld>
             <a:endParaRPr lang="pt-BR"/>
           </a:p>
@@ -6524,7 +6524,7 @@
               <a:pPr>
                 <a:defRPr/>
               </a:pPr>
-              <a:t>24/08/2016</a:t>
+              <a:t>27/08/2017</a:t>
             </a:fld>
             <a:endParaRPr lang="pt-BR"/>
           </a:p>
@@ -7063,7 +7063,7 @@
           <p:nvPr userDrawn="1"/>
         </p:nvPicPr>
         <p:blipFill>
-          <a:blip r:embed="rId13"/>
+          <a:blip r:embed="rId13" cstate="print"/>
           <a:srcRect l="52994" t="61194" r="26041" b="19403"/>
           <a:stretch>
             <a:fillRect/>
@@ -7095,7 +7095,7 @@
           <p:nvPr userDrawn="1"/>
         </p:nvPicPr>
         <p:blipFill>
-          <a:blip r:embed="rId14"/>
+          <a:blip r:embed="rId14" cstate="print"/>
           <a:srcRect/>
           <a:stretch>
             <a:fillRect/>
@@ -7273,7 +7273,7 @@
               <a:pPr>
                 <a:defRPr/>
               </a:pPr>
-              <a:t>24/08/2016</a:t>
+              <a:t>27/08/2017</a:t>
             </a:fld>
             <a:endParaRPr lang="pt-BR"/>
           </a:p>
@@ -7837,7 +7837,7 @@
                 <a:latin typeface="+mn-lt"/>
                 <a:cs typeface="Arial" pitchFamily="34" charset="0"/>
               </a:rPr>
-              <a:t>25 </a:t>
+              <a:t>28 </a:t>
             </a:r>
             <a:r>
               <a:rPr lang="pt-BR" sz="2200" b="1" dirty="0" smtClean="0">
@@ -7857,8 +7857,35 @@
                 <a:latin typeface="+mn-lt"/>
                 <a:cs typeface="Arial" pitchFamily="34" charset="0"/>
               </a:rPr>
-              <a:t>agosto de 2016</a:t>
-            </a:r>
+              <a:t>agosto </a:t>
+            </a:r>
+            <a:r>
+              <a:rPr lang="pt-BR" sz="2200" b="1">
+                <a:solidFill>
+                  <a:schemeClr val="accent1"/>
+                </a:solidFill>
+                <a:latin typeface="+mn-lt"/>
+                <a:cs typeface="Arial" pitchFamily="34" charset="0"/>
+              </a:rPr>
+              <a:t>de </a:t>
+            </a:r>
+            <a:r>
+              <a:rPr lang="pt-BR" sz="2200" b="1" smtClean="0">
+                <a:solidFill>
+                  <a:schemeClr val="accent1"/>
+                </a:solidFill>
+                <a:latin typeface="+mn-lt"/>
+                <a:cs typeface="Arial" pitchFamily="34" charset="0"/>
+              </a:rPr>
+              <a:t>2017</a:t>
+            </a:r>
+            <a:endParaRPr lang="pt-BR" sz="2200" b="1" dirty="0">
+              <a:solidFill>
+                <a:schemeClr val="accent1"/>
+              </a:solidFill>
+              <a:latin typeface="+mn-lt"/>
+              <a:cs typeface="Arial" pitchFamily="34" charset="0"/>
+            </a:endParaRPr>
           </a:p>
         </p:txBody>
       </p:sp>
@@ -7999,7 +8026,7 @@
           <p:nvPr/>
         </p:nvPicPr>
         <p:blipFill>
-          <a:blip r:embed="rId3"/>
+          <a:blip r:embed="rId3" cstate="print"/>
           <a:srcRect l="52994" t="61194" r="26041" b="19403"/>
           <a:stretch>
             <a:fillRect/>
@@ -8192,21 +8219,8 @@
                   <a:schemeClr val="accent2"/>
                 </a:solidFill>
               </a:rPr>
-              <a:t>                     Camada de Transporte </a:t>
-            </a:r>
-            <a:r>
-              <a:rPr lang="pt-BR" altLang="pt-BR" sz="2800" b="1" dirty="0" smtClean="0">
-                <a:solidFill>
-                  <a:schemeClr val="accent2"/>
-                </a:solidFill>
-              </a:rPr>
-              <a:t>– UDP/TCP</a:t>
-            </a:r>
-            <a:endParaRPr lang="pt-BR" altLang="pt-BR" sz="2800" b="1" dirty="0" smtClean="0">
-              <a:solidFill>
-                <a:schemeClr val="accent2"/>
-              </a:solidFill>
-            </a:endParaRPr>
+              <a:t>                     Camada de Transporte – UDP/TCP</a:t>
+            </a:r>
           </a:p>
         </p:txBody>
       </p:sp>
@@ -8219,7 +8233,7 @@
           <p:nvPr/>
         </p:nvPicPr>
         <p:blipFill>
-          <a:blip r:embed="rId4"/>
+          <a:blip r:embed="rId4" cstate="print"/>
           <a:srcRect/>
           <a:stretch>
             <a:fillRect/>
@@ -8587,7 +8601,7 @@
           <p:nvPr/>
         </p:nvPicPr>
         <p:blipFill>
-          <a:blip r:embed="rId2"/>
+          <a:blip r:embed="rId2" cstate="print"/>
           <a:srcRect/>
           <a:stretch>
             <a:fillRect/>
@@ -8704,8 +8718,13 @@
             <a:pPr lvl="1"/>
             <a:r>
               <a:rPr lang="pt-BR" sz="2400" dirty="0" smtClean="0"/>
-              <a:t>Passo 2: host servidor recebe</a:t>
-            </a:r>
+              <a:t>Passo 2: host servidor </a:t>
+            </a:r>
+            <a:r>
+              <a:rPr lang="pt-BR" sz="2400" dirty="0" smtClean="0"/>
+              <a:t>recebe SYN e responde com SYNACK</a:t>
+            </a:r>
+            <a:endParaRPr lang="pt-BR" sz="2400" dirty="0" smtClean="0"/>
           </a:p>
           <a:p>
             <a:pPr lvl="2"/>
@@ -8739,8 +8758,13 @@
             <a:pPr lvl="1"/>
             <a:r>
               <a:rPr lang="pt-BR" sz="2400" dirty="0" smtClean="0"/>
-              <a:t>Passo 3: cliente recebe SYNACK,</a:t>
-            </a:r>
+              <a:t>Passo 3: cliente recebe SYNACK</a:t>
+            </a:r>
+            <a:r>
+              <a:rPr lang="pt-BR" sz="2400" dirty="0" smtClean="0"/>
+              <a:t>, envia ACK</a:t>
+            </a:r>
+            <a:endParaRPr lang="pt-BR" sz="2400" dirty="0" smtClean="0"/>
           </a:p>
           <a:p>
             <a:pPr lvl="2"/>
@@ -8944,7 +8968,7 @@
           <p:nvPr/>
         </p:nvPicPr>
         <p:blipFill>
-          <a:blip r:embed="rId2"/>
+          <a:blip r:embed="rId2" cstate="print"/>
           <a:srcRect/>
           <a:stretch>
             <a:fillRect/>
@@ -9044,7 +9068,7 @@
           <p:nvPr/>
         </p:nvPicPr>
         <p:blipFill>
-          <a:blip r:embed="rId2"/>
+          <a:blip r:embed="rId2" cstate="print"/>
           <a:srcRect/>
           <a:stretch>
             <a:fillRect/>
@@ -9279,7 +9303,7 @@
           <p:nvPr/>
         </p:nvPicPr>
         <p:blipFill>
-          <a:blip r:embed="rId2"/>
+          <a:blip r:embed="rId2" cstate="print"/>
           <a:srcRect/>
           <a:stretch>
             <a:fillRect/>
@@ -9383,7 +9407,7 @@
           <p:nvPr/>
         </p:nvPicPr>
         <p:blipFill>
-          <a:blip r:embed="rId2"/>
+          <a:blip r:embed="rId2" cstate="print"/>
           <a:srcRect/>
           <a:stretch>
             <a:fillRect/>
@@ -9487,7 +9511,7 @@
           <p:nvPr/>
         </p:nvPicPr>
         <p:blipFill>
-          <a:blip r:embed="rId2"/>
+          <a:blip r:embed="rId2" cstate="print"/>
           <a:srcRect/>
           <a:stretch>
             <a:fillRect/>
@@ -9575,7 +9599,7 @@
           <a:p>
             <a:r>
               <a:rPr lang="pt-BR" dirty="0" smtClean="0"/>
-              <a:t>Executado sobre systemas finais</a:t>
+              <a:t>Executado sobre sistemas finais</a:t>
             </a:r>
           </a:p>
           <a:p>
@@ -9970,7 +9994,23 @@
           <a:p>
             <a:r>
               <a:rPr lang="pt-BR" sz="2800" dirty="0" smtClean="0"/>
-              <a:t>Entrega não-confiável, sem garantias de ordenação: UDP  Extensões “sem ornamentos” ao serviço de melhor esforço (best effort) IP</a:t>
+              <a:t>Entrega não-confiável, sem garantias de </a:t>
+            </a:r>
+            <a:r>
+              <a:rPr lang="pt-BR" sz="2800" dirty="0" smtClean="0"/>
+              <a:t>ordenação (UDP)</a:t>
+            </a:r>
+            <a:endParaRPr lang="pt-BR" sz="2400" dirty="0" smtClean="0"/>
+          </a:p>
+          <a:p>
+            <a:pPr lvl="1"/>
+            <a:r>
+              <a:rPr lang="pt-BR" sz="2400" dirty="0" smtClean="0"/>
+              <a:t>Extensões </a:t>
+            </a:r>
+            <a:r>
+              <a:rPr lang="pt-BR" sz="2400" dirty="0" smtClean="0"/>
+              <a:t>“sem ornamentos” ao serviço de melhor esforço (best effort) IP</a:t>
             </a:r>
           </a:p>
         </p:txBody>
@@ -10382,7 +10422,7 @@
           <p:nvPr/>
         </p:nvPicPr>
         <p:blipFill>
-          <a:blip r:embed="rId2"/>
+          <a:blip r:embed="rId2" cstate="print"/>
           <a:srcRect/>
           <a:stretch>
             <a:fillRect/>
@@ -10546,39 +10586,68 @@
           </a:p>
         </p:txBody>
       </p:sp>
-      <p:pic>
-        <p:nvPicPr>
-          <p:cNvPr id="1026" name="Picture 2"/>
-          <p:cNvPicPr>
-            <a:picLocks noChangeAspect="1" noChangeArrowheads="1"/>
-          </p:cNvPicPr>
+      <p:sp>
+        <p:nvSpPr>
+          <p:cNvPr id="5" name="TextBox 4"/>
+          <p:cNvSpPr txBox="1"/>
           <p:nvPr/>
-        </p:nvPicPr>
-        <p:blipFill>
-          <a:blip r:embed="rId2"/>
-          <a:srcRect/>
-          <a:stretch>
-            <a:fillRect/>
-          </a:stretch>
-        </p:blipFill>
-        <p:spPr bwMode="auto">
+        </p:nvSpPr>
+        <p:spPr>
           <a:xfrm>
-            <a:off x="1214414" y="4586309"/>
-            <a:ext cx="6229350" cy="1914525"/>
+            <a:off x="1619672" y="4509120"/>
+            <a:ext cx="6048672" cy="1477328"/>
           </a:xfrm>
           <a:prstGeom prst="rect">
             <a:avLst/>
           </a:prstGeom>
           <a:noFill/>
-          <a:ln w="9525">
-            <a:noFill/>
-            <a:miter lim="800000"/>
-            <a:headEnd/>
-            <a:tailEnd/>
-          </a:ln>
-          <a:effectLst/>
         </p:spPr>
-      </p:pic>
+        <p:txBody>
+          <a:bodyPr wrap="square" rtlCol="0">
+            <a:spAutoFit/>
+          </a:bodyPr>
+          <a:lstStyle/>
+          <a:p>
+            <a:r>
+              <a:rPr lang="pt-BR" dirty="0" smtClean="0"/>
+              <a:t>0 1 1 0 0 1 1 0 0 1 1 0 0 1 1 0 (1ª palavra)</a:t>
+            </a:r>
+          </a:p>
+          <a:p>
+            <a:r>
+              <a:rPr lang="pt-BR" dirty="0" smtClean="0"/>
+              <a:t>0 1 0 1 0 1 0 1 0 1 0 1 0 1 0 1 (2ª </a:t>
+            </a:r>
+            <a:r>
+              <a:rPr lang="pt-BR" dirty="0" smtClean="0"/>
+              <a:t>palavra</a:t>
+            </a:r>
+            <a:r>
+              <a:rPr lang="pt-BR" dirty="0" smtClean="0"/>
+              <a:t>)</a:t>
+            </a:r>
+          </a:p>
+          <a:p>
+            <a:r>
+              <a:rPr lang="pt-BR" dirty="0" smtClean="0"/>
+              <a:t>________________________</a:t>
+            </a:r>
+          </a:p>
+          <a:p>
+            <a:r>
+              <a:rPr lang="pt-BR" dirty="0" smtClean="0"/>
+              <a:t>1 0 1 1 1 0 1 1 1 0 1 1 1 0 1 1 (soma)</a:t>
+            </a:r>
+          </a:p>
+          <a:p>
+            <a:r>
+              <a:rPr lang="pt-BR" dirty="0" smtClean="0"/>
+              <a:t>0 1 0 0 0 1 0 0 0 1 0 0 0 1 0 0  (checksum)</a:t>
+            </a:r>
+            <a:endParaRPr lang="pt-BR" dirty="0"/>
+          </a:p>
+        </p:txBody>
+      </p:sp>
     </p:spTree>
   </p:cSld>
   <p:clrMapOvr>
